--- a/Photos/Project PPT.pptx
+++ b/Photos/Project PPT.pptx
@@ -5,7 +5,7 @@
     <p:sldMasterId id="2147483992" r:id="rId1"/>
   </p:sldMasterIdLst>
   <p:sldIdLst>
-    <p:sldId id="256" r:id="rId2"/>
+    <p:sldId id="265" r:id="rId2"/>
     <p:sldId id="257" r:id="rId3"/>
     <p:sldId id="258" r:id="rId4"/>
     <p:sldId id="259" r:id="rId5"/>
@@ -307,7 +307,7 @@
             <a:fld id="{B61BEF0D-F0BB-DE4B-95CE-6DB70DBA9567}" type="datetimeFigureOut">
               <a:rPr lang="en-US" smtClean="0"/>
               <a:pPr/>
-              <a:t>12/13/2024</a:t>
+              <a:t>12/14/2024</a:t>
             </a:fld>
             <a:endParaRPr lang="en-US" dirty="0"/>
           </a:p>
@@ -584,7 +584,7 @@
             <a:fld id="{B61BEF0D-F0BB-DE4B-95CE-6DB70DBA9567}" type="datetimeFigureOut">
               <a:rPr lang="en-US" smtClean="0"/>
               <a:pPr/>
-              <a:t>12/13/2024</a:t>
+              <a:t>12/14/2024</a:t>
             </a:fld>
             <a:endParaRPr lang="en-US" dirty="0"/>
           </a:p>
@@ -780,7 +780,7 @@
             <a:fld id="{B61BEF0D-F0BB-DE4B-95CE-6DB70DBA9567}" type="datetimeFigureOut">
               <a:rPr lang="en-US" smtClean="0"/>
               <a:pPr/>
-              <a:t>12/13/2024</a:t>
+              <a:t>12/14/2024</a:t>
             </a:fld>
             <a:endParaRPr lang="en-US" dirty="0"/>
           </a:p>
@@ -1055,7 +1055,7 @@
             <a:fld id="{B61BEF0D-F0BB-DE4B-95CE-6DB70DBA9567}" type="datetimeFigureOut">
               <a:rPr lang="en-US" smtClean="0"/>
               <a:pPr/>
-              <a:t>12/13/2024</a:t>
+              <a:t>12/14/2024</a:t>
             </a:fld>
             <a:endParaRPr lang="en-US" dirty="0"/>
           </a:p>
@@ -1398,7 +1398,7 @@
             <a:fld id="{B61BEF0D-F0BB-DE4B-95CE-6DB70DBA9567}" type="datetimeFigureOut">
               <a:rPr lang="en-US" smtClean="0"/>
               <a:pPr/>
-              <a:t>12/13/2024</a:t>
+              <a:t>12/14/2024</a:t>
             </a:fld>
             <a:endParaRPr lang="en-US" dirty="0"/>
           </a:p>
@@ -2023,7 +2023,7 @@
             <a:fld id="{B61BEF0D-F0BB-DE4B-95CE-6DB70DBA9567}" type="datetimeFigureOut">
               <a:rPr lang="en-US" smtClean="0"/>
               <a:pPr/>
-              <a:t>12/13/2024</a:t>
+              <a:t>12/14/2024</a:t>
             </a:fld>
             <a:endParaRPr lang="en-US" dirty="0"/>
           </a:p>
@@ -2885,7 +2885,7 @@
             <a:fld id="{B61BEF0D-F0BB-DE4B-95CE-6DB70DBA9567}" type="datetimeFigureOut">
               <a:rPr lang="en-US" smtClean="0"/>
               <a:pPr/>
-              <a:t>12/13/2024</a:t>
+              <a:t>12/14/2024</a:t>
             </a:fld>
             <a:endParaRPr lang="en-US" dirty="0"/>
           </a:p>
@@ -3056,7 +3056,7 @@
           <a:p>
             <a:fld id="{55C6B4A9-1611-4792-9094-5F34BCA07E0B}" type="datetimeFigureOut">
               <a:rPr lang="en-US" smtClean="0"/>
-              <a:t>12/13/2024</a:t>
+              <a:t>12/14/2024</a:t>
             </a:fld>
             <a:endParaRPr lang="en-US" dirty="0"/>
           </a:p>
@@ -3237,7 +3237,7 @@
             <a:fld id="{B61BEF0D-F0BB-DE4B-95CE-6DB70DBA9567}" type="datetimeFigureOut">
               <a:rPr lang="en-US" smtClean="0"/>
               <a:pPr/>
-              <a:t>12/13/2024</a:t>
+              <a:t>12/14/2024</a:t>
             </a:fld>
             <a:endParaRPr lang="en-US" dirty="0"/>
           </a:p>
@@ -3408,7 +3408,7 @@
           <a:p>
             <a:fld id="{42A54C80-263E-416B-A8E0-580EDEADCBDC}" type="datetimeFigureOut">
               <a:rPr lang="en-US" smtClean="0"/>
-              <a:t>12/13/2024</a:t>
+              <a:t>12/14/2024</a:t>
             </a:fld>
             <a:endParaRPr lang="en-US" dirty="0"/>
           </a:p>
@@ -3656,7 +3656,7 @@
             <a:fld id="{B61BEF0D-F0BB-DE4B-95CE-6DB70DBA9567}" type="datetimeFigureOut">
               <a:rPr lang="en-US" smtClean="0"/>
               <a:pPr/>
-              <a:t>12/13/2024</a:t>
+              <a:t>12/14/2024</a:t>
             </a:fld>
             <a:endParaRPr lang="en-US" dirty="0"/>
           </a:p>
@@ -3949,7 +3949,7 @@
           <a:p>
             <a:fld id="{42A54C80-263E-416B-A8E0-580EDEADCBDC}" type="datetimeFigureOut">
               <a:rPr lang="en-US" smtClean="0"/>
-              <a:t>12/13/2024</a:t>
+              <a:t>12/14/2024</a:t>
             </a:fld>
             <a:endParaRPr lang="en-US" dirty="0"/>
           </a:p>
@@ -4394,7 +4394,7 @@
             <a:fld id="{B61BEF0D-F0BB-DE4B-95CE-6DB70DBA9567}" type="datetimeFigureOut">
               <a:rPr lang="en-US" smtClean="0"/>
               <a:pPr/>
-              <a:t>12/13/2024</a:t>
+              <a:t>12/14/2024</a:t>
             </a:fld>
             <a:endParaRPr lang="en-US" dirty="0"/>
           </a:p>
@@ -4514,7 +4514,7 @@
             <a:fld id="{B61BEF0D-F0BB-DE4B-95CE-6DB70DBA9567}" type="datetimeFigureOut">
               <a:rPr lang="en-US" smtClean="0"/>
               <a:pPr/>
-              <a:t>12/13/2024</a:t>
+              <a:t>12/14/2024</a:t>
             </a:fld>
             <a:endParaRPr lang="en-US" dirty="0"/>
           </a:p>
@@ -4611,7 +4611,7 @@
             <a:fld id="{B61BEF0D-F0BB-DE4B-95CE-6DB70DBA9567}" type="datetimeFigureOut">
               <a:rPr lang="en-US" smtClean="0"/>
               <a:pPr/>
-              <a:t>12/13/2024</a:t>
+              <a:t>12/14/2024</a:t>
             </a:fld>
             <a:endParaRPr lang="en-US" dirty="0"/>
           </a:p>
@@ -4891,7 +4891,7 @@
           <a:p>
             <a:fld id="{42A54C80-263E-416B-A8E0-580EDEADCBDC}" type="datetimeFigureOut">
               <a:rPr lang="en-US" smtClean="0"/>
-              <a:t>12/13/2024</a:t>
+              <a:t>12/14/2024</a:t>
             </a:fld>
             <a:endParaRPr lang="en-US" dirty="0"/>
           </a:p>
@@ -5167,7 +5167,7 @@
             <a:fld id="{B61BEF0D-F0BB-DE4B-95CE-6DB70DBA9567}" type="datetimeFigureOut">
               <a:rPr lang="en-US" smtClean="0"/>
               <a:pPr/>
-              <a:t>12/13/2024</a:t>
+              <a:t>12/14/2024</a:t>
             </a:fld>
             <a:endParaRPr lang="en-US" dirty="0"/>
           </a:p>
@@ -5598,7 +5598,7 @@
             <a:fld id="{B61BEF0D-F0BB-DE4B-95CE-6DB70DBA9567}" type="datetimeFigureOut">
               <a:rPr lang="en-US" smtClean="0"/>
               <a:pPr/>
-              <a:t>12/13/2024</a:t>
+              <a:t>12/14/2024</a:t>
             </a:fld>
             <a:endParaRPr lang="en-US" dirty="0"/>
           </a:p>
@@ -6134,70 +6134,58 @@
             <a:spLocks noGrp="1"/>
           </p:cNvSpPr>
           <p:nvPr>
-            <p:ph type="ctrTitle"/>
-          </p:nvPr>
-        </p:nvSpPr>
-        <p:spPr>
-          <a:xfrm>
-            <a:off x="1302367" y="591291"/>
-            <a:ext cx="7523219" cy="1694359"/>
-          </a:xfrm>
-        </p:spPr>
-        <p:txBody>
-          <a:bodyPr>
-            <a:normAutofit fontScale="90000"/>
-          </a:bodyPr>
-          <a:lstStyle/>
-          <a:p>
-            <a:pPr algn="l"/>
-            <a:r>
-              <a:rPr lang="en-US" dirty="0">
+            <p:ph type="title"/>
+          </p:nvPr>
+        </p:nvSpPr>
+        <p:spPr/>
+        <p:txBody>
+          <a:bodyPr/>
+          <a:lstStyle/>
+          <a:p>
+            <a:pPr algn="ctr"/>
+            <a:r>
+              <a:rPr lang="en-US" dirty="0" smtClean="0">
                 <a:solidFill>
-                  <a:srgbClr val="FF0000"/>
+                  <a:srgbClr val="00B0F0"/>
                 </a:solidFill>
-                <a:highlight>
-                  <a:srgbClr val="00FFFF"/>
-                </a:highlight>
+                <a:latin typeface="Arial" panose="020B0604020202020204" pitchFamily="34" charset="0"/>
+                <a:cs typeface="Arial" panose="020B0604020202020204" pitchFamily="34" charset="0"/>
               </a:rPr>
               <a:t>Airline Ticket Price Management</a:t>
             </a:r>
-          </a:p>
-        </p:txBody>
-      </p:sp>
-      <p:pic>
-        <p:nvPicPr>
-          <p:cNvPr id="5" name="Picture 4">
-            <a:extLst>
-              <a:ext uri="{FF2B5EF4-FFF2-40B4-BE49-F238E27FC236}">
-                <a16:creationId xmlns:a16="http://schemas.microsoft.com/office/drawing/2014/main" id="{945AE4E2-77B9-7FBD-E56A-21CD6455CDF8}"/>
-              </a:ext>
-            </a:extLst>
-          </p:cNvPr>
-          <p:cNvPicPr>
-            <a:picLocks noChangeAspect="1"/>
-          </p:cNvPicPr>
-          <p:nvPr/>
-        </p:nvPicPr>
-        <p:blipFill>
-          <a:blip r:embed="rId2"/>
-          <a:stretch>
-            <a:fillRect/>
-          </a:stretch>
-        </p:blipFill>
-        <p:spPr>
-          <a:xfrm>
-            <a:off x="1443318" y="2285650"/>
-            <a:ext cx="7960657" cy="4410985"/>
-          </a:xfrm>
-          <a:prstGeom prst="rect">
-            <a:avLst/>
-          </a:prstGeom>
-        </p:spPr>
-      </p:pic>
+            <a:endParaRPr lang="en-US" dirty="0">
+              <a:solidFill>
+                <a:srgbClr val="00B0F0"/>
+              </a:solidFill>
+              <a:latin typeface="Arial" panose="020B0604020202020204" pitchFamily="34" charset="0"/>
+              <a:cs typeface="Arial" panose="020B0604020202020204" pitchFamily="34" charset="0"/>
+            </a:endParaRPr>
+          </a:p>
+        </p:txBody>
+      </p:sp>
+      <p:sp>
+        <p:nvSpPr>
+          <p:cNvPr id="3" name="Content Placeholder 2"/>
+          <p:cNvSpPr>
+            <a:spLocks noGrp="1"/>
+          </p:cNvSpPr>
+          <p:nvPr>
+            <p:ph idx="1"/>
+          </p:nvPr>
+        </p:nvSpPr>
+        <p:spPr/>
+        <p:txBody>
+          <a:bodyPr/>
+          <a:lstStyle/>
+          <a:p>
+            <a:endParaRPr lang="en-US" dirty="0"/>
+          </a:p>
+        </p:txBody>
+      </p:sp>
     </p:spTree>
     <p:extLst>
       <p:ext uri="{BB962C8B-B14F-4D97-AF65-F5344CB8AC3E}">
-        <p14:creationId xmlns:p14="http://schemas.microsoft.com/office/powerpoint/2010/main" val="2767917847"/>
+        <p14:creationId xmlns:p14="http://schemas.microsoft.com/office/powerpoint/2010/main" val="4204184583"/>
       </p:ext>
     </p:extLst>
   </p:cSld>
@@ -6229,7 +6217,7 @@
           <p:cNvPr id="2" name="Title 1">
             <a:extLst>
               <a:ext uri="{FF2B5EF4-FFF2-40B4-BE49-F238E27FC236}">
-                <a16:creationId xmlns:a16="http://schemas.microsoft.com/office/drawing/2014/main" id="{3259EB0A-6EEC-AB08-7582-4AD78F7EB013}"/>
+                <a16:creationId xmlns:a16="http://schemas.microsoft.com/office/drawing/2014/main" xmlns="" id="{3259EB0A-6EEC-AB08-7582-4AD78F7EB013}"/>
               </a:ext>
             </a:extLst>
           </p:cNvPr>
@@ -6257,7 +6245,7 @@
           <p:cNvPr id="7" name="Content Placeholder 6">
             <a:extLst>
               <a:ext uri="{FF2B5EF4-FFF2-40B4-BE49-F238E27FC236}">
-                <a16:creationId xmlns:a16="http://schemas.microsoft.com/office/drawing/2014/main" id="{44B0F8A8-D607-4D90-6C35-CC46C4C07352}"/>
+                <a16:creationId xmlns:a16="http://schemas.microsoft.com/office/drawing/2014/main" xmlns="" id="{44B0F8A8-D607-4D90-6C35-CC46C4C07352}"/>
               </a:ext>
             </a:extLst>
           </p:cNvPr>
@@ -6335,7 +6323,7 @@
           <p:cNvPr id="2" name="Title 1">
             <a:extLst>
               <a:ext uri="{FF2B5EF4-FFF2-40B4-BE49-F238E27FC236}">
-                <a16:creationId xmlns:a16="http://schemas.microsoft.com/office/drawing/2014/main" id="{82D5F8CC-F080-58A9-DAAB-23A5D7425B6F}"/>
+                <a16:creationId xmlns:a16="http://schemas.microsoft.com/office/drawing/2014/main" xmlns="" id="{82D5F8CC-F080-58A9-DAAB-23A5D7425B6F}"/>
               </a:ext>
             </a:extLst>
           </p:cNvPr>
@@ -6363,7 +6351,7 @@
           <p:cNvPr id="3" name="Content Placeholder 2">
             <a:extLst>
               <a:ext uri="{FF2B5EF4-FFF2-40B4-BE49-F238E27FC236}">
-                <a16:creationId xmlns:a16="http://schemas.microsoft.com/office/drawing/2014/main" id="{A913D6F0-3E9D-003D-121D-2F10B4B9FE64}"/>
+                <a16:creationId xmlns:a16="http://schemas.microsoft.com/office/drawing/2014/main" xmlns="" id="{A913D6F0-3E9D-003D-121D-2F10B4B9FE64}"/>
               </a:ext>
             </a:extLst>
           </p:cNvPr>
@@ -6470,7 +6458,7 @@
           <p:cNvPr id="2" name="Title 1">
             <a:extLst>
               <a:ext uri="{FF2B5EF4-FFF2-40B4-BE49-F238E27FC236}">
-                <a16:creationId xmlns:a16="http://schemas.microsoft.com/office/drawing/2014/main" id="{A2C4B78E-D13D-424C-0FF3-4E20799C3F24}"/>
+                <a16:creationId xmlns:a16="http://schemas.microsoft.com/office/drawing/2014/main" xmlns="" id="{A2C4B78E-D13D-424C-0FF3-4E20799C3F24}"/>
               </a:ext>
             </a:extLst>
           </p:cNvPr>
@@ -6498,7 +6486,7 @@
           <p:cNvPr id="3" name="Content Placeholder 2">
             <a:extLst>
               <a:ext uri="{FF2B5EF4-FFF2-40B4-BE49-F238E27FC236}">
-                <a16:creationId xmlns:a16="http://schemas.microsoft.com/office/drawing/2014/main" id="{677822BE-6088-6EAC-4E1C-708825143767}"/>
+                <a16:creationId xmlns:a16="http://schemas.microsoft.com/office/drawing/2014/main" xmlns="" id="{677822BE-6088-6EAC-4E1C-708825143767}"/>
               </a:ext>
             </a:extLst>
           </p:cNvPr>
@@ -6545,7 +6533,7 @@
           <p:cNvPr id="5" name="Picture 4">
             <a:extLst>
               <a:ext uri="{FF2B5EF4-FFF2-40B4-BE49-F238E27FC236}">
-                <a16:creationId xmlns:a16="http://schemas.microsoft.com/office/drawing/2014/main" id="{46408F31-6313-C371-28EE-C3DB80EAD4FF}"/>
+                <a16:creationId xmlns:a16="http://schemas.microsoft.com/office/drawing/2014/main" xmlns="" id="{46408F31-6313-C371-28EE-C3DB80EAD4FF}"/>
               </a:ext>
             </a:extLst>
           </p:cNvPr>
@@ -6605,7 +6593,7 @@
           <p:cNvPr id="2" name="Title 1">
             <a:extLst>
               <a:ext uri="{FF2B5EF4-FFF2-40B4-BE49-F238E27FC236}">
-                <a16:creationId xmlns:a16="http://schemas.microsoft.com/office/drawing/2014/main" id="{B0910F0B-BC7F-DBD2-B00E-28BB2FF20958}"/>
+                <a16:creationId xmlns:a16="http://schemas.microsoft.com/office/drawing/2014/main" xmlns="" id="{B0910F0B-BC7F-DBD2-B00E-28BB2FF20958}"/>
               </a:ext>
             </a:extLst>
           </p:cNvPr>
@@ -6633,7 +6621,7 @@
           <p:cNvPr id="3" name="Content Placeholder 2">
             <a:extLst>
               <a:ext uri="{FF2B5EF4-FFF2-40B4-BE49-F238E27FC236}">
-                <a16:creationId xmlns:a16="http://schemas.microsoft.com/office/drawing/2014/main" id="{E4611886-49FE-24D6-25AB-F4C74C8FD9D6}"/>
+                <a16:creationId xmlns:a16="http://schemas.microsoft.com/office/drawing/2014/main" xmlns="" id="{E4611886-49FE-24D6-25AB-F4C74C8FD9D6}"/>
               </a:ext>
             </a:extLst>
           </p:cNvPr>
@@ -6764,7 +6752,7 @@
           <p:cNvPr id="2" name="Title 1">
             <a:extLst>
               <a:ext uri="{FF2B5EF4-FFF2-40B4-BE49-F238E27FC236}">
-                <a16:creationId xmlns:a16="http://schemas.microsoft.com/office/drawing/2014/main" id="{FB43157F-89C7-28AD-C529-999850A18781}"/>
+                <a16:creationId xmlns:a16="http://schemas.microsoft.com/office/drawing/2014/main" xmlns="" id="{FB43157F-89C7-28AD-C529-999850A18781}"/>
               </a:ext>
             </a:extLst>
           </p:cNvPr>
@@ -6797,7 +6785,7 @@
           <p:cNvPr id="11" name="Picture Placeholder 10">
             <a:extLst>
               <a:ext uri="{FF2B5EF4-FFF2-40B4-BE49-F238E27FC236}">
-                <a16:creationId xmlns:a16="http://schemas.microsoft.com/office/drawing/2014/main" id="{29D43028-4CBE-BCA6-9514-2FC0B42BDC84}"/>
+                <a16:creationId xmlns:a16="http://schemas.microsoft.com/office/drawing/2014/main" xmlns="" id="{29D43028-4CBE-BCA6-9514-2FC0B42BDC84}"/>
               </a:ext>
             </a:extLst>
           </p:cNvPr>
@@ -6827,7 +6815,7 @@
           <p:cNvPr id="9" name="Text Placeholder 8">
             <a:extLst>
               <a:ext uri="{FF2B5EF4-FFF2-40B4-BE49-F238E27FC236}">
-                <a16:creationId xmlns:a16="http://schemas.microsoft.com/office/drawing/2014/main" id="{7FDBE63C-0AD7-6344-692B-81510FB35215}"/>
+                <a16:creationId xmlns:a16="http://schemas.microsoft.com/office/drawing/2014/main" xmlns="" id="{7FDBE63C-0AD7-6344-692B-81510FB35215}"/>
               </a:ext>
             </a:extLst>
           </p:cNvPr>
@@ -6957,7 +6945,7 @@
           <p:cNvPr id="2" name="Title 1">
             <a:extLst>
               <a:ext uri="{FF2B5EF4-FFF2-40B4-BE49-F238E27FC236}">
-                <a16:creationId xmlns:a16="http://schemas.microsoft.com/office/drawing/2014/main" id="{9F4D35D7-7F85-6B4C-2081-18BD5EAE109E}"/>
+                <a16:creationId xmlns:a16="http://schemas.microsoft.com/office/drawing/2014/main" xmlns="" id="{9F4D35D7-7F85-6B4C-2081-18BD5EAE109E}"/>
               </a:ext>
             </a:extLst>
           </p:cNvPr>
@@ -6985,7 +6973,7 @@
           <p:cNvPr id="3" name="Content Placeholder 2">
             <a:extLst>
               <a:ext uri="{FF2B5EF4-FFF2-40B4-BE49-F238E27FC236}">
-                <a16:creationId xmlns:a16="http://schemas.microsoft.com/office/drawing/2014/main" id="{3F370C2C-476F-E766-C17A-2593C851A9C5}"/>
+                <a16:creationId xmlns:a16="http://schemas.microsoft.com/office/drawing/2014/main" xmlns="" id="{3F370C2C-476F-E766-C17A-2593C851A9C5}"/>
               </a:ext>
             </a:extLst>
           </p:cNvPr>
@@ -7101,7 +7089,7 @@
           <p:cNvPr id="2" name="Title 1">
             <a:extLst>
               <a:ext uri="{FF2B5EF4-FFF2-40B4-BE49-F238E27FC236}">
-                <a16:creationId xmlns:a16="http://schemas.microsoft.com/office/drawing/2014/main" id="{19153710-EF22-6D22-DA6E-52F305AC4CC6}"/>
+                <a16:creationId xmlns:a16="http://schemas.microsoft.com/office/drawing/2014/main" xmlns="" id="{19153710-EF22-6D22-DA6E-52F305AC4CC6}"/>
               </a:ext>
             </a:extLst>
           </p:cNvPr>
@@ -7129,7 +7117,7 @@
           <p:cNvPr id="3" name="Content Placeholder 2">
             <a:extLst>
               <a:ext uri="{FF2B5EF4-FFF2-40B4-BE49-F238E27FC236}">
-                <a16:creationId xmlns:a16="http://schemas.microsoft.com/office/drawing/2014/main" id="{CBF0ADBD-C00C-FF5D-152E-9E193AEBBF80}"/>
+                <a16:creationId xmlns:a16="http://schemas.microsoft.com/office/drawing/2014/main" xmlns="" id="{CBF0ADBD-C00C-FF5D-152E-9E193AEBBF80}"/>
               </a:ext>
             </a:extLst>
           </p:cNvPr>
@@ -7184,7 +7172,7 @@
           <p:cNvPr id="2" name="Title 1">
             <a:extLst>
               <a:ext uri="{FF2B5EF4-FFF2-40B4-BE49-F238E27FC236}">
-                <a16:creationId xmlns:a16="http://schemas.microsoft.com/office/drawing/2014/main" id="{26BA6F20-A497-CD49-3EE9-4E52E73A85A4}"/>
+                <a16:creationId xmlns:a16="http://schemas.microsoft.com/office/drawing/2014/main" xmlns="" id="{26BA6F20-A497-CD49-3EE9-4E52E73A85A4}"/>
               </a:ext>
             </a:extLst>
           </p:cNvPr>
@@ -7217,7 +7205,7 @@
           <p:cNvPr id="3" name="Content Placeholder 2">
             <a:extLst>
               <a:ext uri="{FF2B5EF4-FFF2-40B4-BE49-F238E27FC236}">
-                <a16:creationId xmlns:a16="http://schemas.microsoft.com/office/drawing/2014/main" id="{670288F8-4186-7811-5AB1-9667B2712529}"/>
+                <a16:creationId xmlns:a16="http://schemas.microsoft.com/office/drawing/2014/main" xmlns="" id="{670288F8-4186-7811-5AB1-9667B2712529}"/>
               </a:ext>
             </a:extLst>
           </p:cNvPr>
